--- a/PPT/2025.04.17.pptx
+++ b/PPT/2025.04.17.pptx
@@ -21,9 +21,9 @@
     <p:sldId id="447" r:id="rId12"/>
     <p:sldId id="440" r:id="rId13"/>
     <p:sldId id="449" r:id="rId14"/>
-    <p:sldId id="450" r:id="rId15"/>
-    <p:sldId id="451" r:id="rId16"/>
-    <p:sldId id="452" r:id="rId17"/>
+    <p:sldId id="452" r:id="rId15"/>
+    <p:sldId id="450" r:id="rId16"/>
+    <p:sldId id="451" r:id="rId17"/>
     <p:sldId id="398" r:id="rId18"/>
   </p:sldIdLst>
   <p:sldSz cx="12192000" cy="6858000"/>
@@ -977,6 +977,114 @@
         <p:cNvPr id="1" name="">
           <a:extLst>
             <a:ext uri="{FF2B5EF4-FFF2-40B4-BE49-F238E27FC236}">
+              <a16:creationId xmlns:a16="http://schemas.microsoft.com/office/drawing/2014/main" id="{5BC81B67-1A93-68F9-0103-0A6871BBE792}"/>
+            </a:ext>
+          </a:extLst>
+        </p:cNvPr>
+        <p:cNvGrpSpPr/>
+        <p:nvPr/>
+      </p:nvGrpSpPr>
+      <p:grpSpPr>
+        <a:xfrm>
+          <a:off x="0" y="0"/>
+          <a:ext cx="0" cy="0"/>
+          <a:chOff x="0" y="0"/>
+          <a:chExt cx="0" cy="0"/>
+        </a:xfrm>
+      </p:grpSpPr>
+      <p:sp>
+        <p:nvSpPr>
+          <p:cNvPr id="2" name="幻灯片图像占位符 1">
+            <a:extLst>
+              <a:ext uri="{FF2B5EF4-FFF2-40B4-BE49-F238E27FC236}">
+                <a16:creationId xmlns:a16="http://schemas.microsoft.com/office/drawing/2014/main" id="{CDE9494F-0A44-40B6-DEEC-E182D34A8D5A}"/>
+              </a:ext>
+            </a:extLst>
+          </p:cNvPr>
+          <p:cNvSpPr>
+            <a:spLocks noGrp="1" noRot="1" noChangeAspect="1"/>
+          </p:cNvSpPr>
+          <p:nvPr>
+            <p:ph type="sldImg"/>
+          </p:nvPr>
+        </p:nvSpPr>
+        <p:spPr/>
+      </p:sp>
+      <p:sp>
+        <p:nvSpPr>
+          <p:cNvPr id="3" name="备注占位符 2">
+            <a:extLst>
+              <a:ext uri="{FF2B5EF4-FFF2-40B4-BE49-F238E27FC236}">
+                <a16:creationId xmlns:a16="http://schemas.microsoft.com/office/drawing/2014/main" id="{BFF1A95B-67EA-BF8E-FBB8-D8274E9416AC}"/>
+              </a:ext>
+            </a:extLst>
+          </p:cNvPr>
+          <p:cNvSpPr>
+            <a:spLocks noGrp="1"/>
+          </p:cNvSpPr>
+          <p:nvPr>
+            <p:ph type="body" idx="1"/>
+          </p:nvPr>
+        </p:nvSpPr>
+        <p:spPr/>
+        <p:txBody>
+          <a:bodyPr/>
+          <a:lstStyle/>
+          <a:p>
+            <a:endParaRPr lang="en-US" altLang="zh-CN" dirty="0"/>
+          </a:p>
+        </p:txBody>
+      </p:sp>
+      <p:sp>
+        <p:nvSpPr>
+          <p:cNvPr id="4" name="灯片编号占位符 3">
+            <a:extLst>
+              <a:ext uri="{FF2B5EF4-FFF2-40B4-BE49-F238E27FC236}">
+                <a16:creationId xmlns:a16="http://schemas.microsoft.com/office/drawing/2014/main" id="{EA258961-F8E0-A811-5160-DE59A61C03DD}"/>
+              </a:ext>
+            </a:extLst>
+          </p:cNvPr>
+          <p:cNvSpPr>
+            <a:spLocks noGrp="1"/>
+          </p:cNvSpPr>
+          <p:nvPr>
+            <p:ph type="sldNum" sz="quarter" idx="5"/>
+          </p:nvPr>
+        </p:nvSpPr>
+        <p:spPr/>
+        <p:txBody>
+          <a:bodyPr/>
+          <a:lstStyle/>
+          <a:p>
+            <a:fld id="{5AF833F3-50EF-41F6-9734-A87A2A6D410C}" type="slidenum">
+              <a:rPr lang="zh-CN" altLang="en-US" smtClean="0"/>
+              <a:t>13</a:t>
+            </a:fld>
+            <a:endParaRPr lang="zh-CN" altLang="en-US"/>
+          </a:p>
+        </p:txBody>
+      </p:sp>
+    </p:spTree>
+    <p:extLst>
+      <p:ext uri="{BB962C8B-B14F-4D97-AF65-F5344CB8AC3E}">
+        <p14:creationId xmlns:p14="http://schemas.microsoft.com/office/powerpoint/2010/main" val="2650881738"/>
+      </p:ext>
+    </p:extLst>
+  </p:cSld>
+  <p:clrMapOvr>
+    <a:masterClrMapping/>
+  </p:clrMapOvr>
+</p:notes>
+</file>
+
+<file path=ppt/notesSlides/notesSlide14.xml><?xml version="1.0" encoding="utf-8"?>
+<p:notes xmlns:a="http://schemas.openxmlformats.org/drawingml/2006/main" xmlns:r="http://schemas.openxmlformats.org/officeDocument/2006/relationships" xmlns:p="http://schemas.openxmlformats.org/presentationml/2006/main">
+  <p:cSld>
+    <p:spTree>
+      <p:nvGrpSpPr>
+        <p:cNvPr id="1" name="">
+          <a:extLst>
+            <a:ext uri="{FF2B5EF4-FFF2-40B4-BE49-F238E27FC236}">
               <a16:creationId xmlns:a16="http://schemas.microsoft.com/office/drawing/2014/main" id="{913DA38E-F161-978D-C255-2C662EBBA349}"/>
             </a:ext>
           </a:extLst>
@@ -1031,10 +1139,53 @@
           <a:bodyPr/>
           <a:lstStyle/>
           <a:p>
+            <a:pPr>
+              <a:buNone/>
+            </a:pPr>
             <a:r>
               <a:rPr lang="en-US" altLang="zh-CN" dirty="0"/>
               <a:t>SQLite</a:t>
             </a:r>
+            <a:r>
+              <a:rPr lang="en" altLang="zh-CN" dirty="0">
+                <a:solidFill>
+                  <a:srgbClr val="000000"/>
+                </a:solidFill>
+                <a:effectLst/>
+                <a:latin typeface="Helvetica" pitchFamily="2" charset="0"/>
+              </a:rPr>
+              <a:t>However, in our evaluation, we found that most of the bugs we found by the bug-inducing</a:t>
+            </a:r>
+          </a:p>
+          <a:p>
+            <a:pPr>
+              <a:buNone/>
+            </a:pPr>
+            <a:r>
+              <a:rPr lang="en" altLang="zh-CN" dirty="0">
+                <a:solidFill>
+                  <a:srgbClr val="000000"/>
+                </a:solidFill>
+                <a:effectLst/>
+                <a:latin typeface="Helvetica" pitchFamily="2" charset="0"/>
+              </a:rPr>
+              <a:t>test cases use only shallow expressions after reduction. Therefore, during testing, there is no need</a:t>
+            </a:r>
+          </a:p>
+          <a:p>
+            <a:r>
+              <a:rPr lang="en" altLang="zh-CN" dirty="0">
+                <a:solidFill>
+                  <a:srgbClr val="000000"/>
+                </a:solidFill>
+                <a:effectLst/>
+                <a:latin typeface="Helvetica" pitchFamily="2" charset="0"/>
+              </a:rPr>
+              <a:t>to generate expressions with great depth.</a:t>
+            </a:r>
+          </a:p>
+          <a:p>
+            <a:endParaRPr lang="en-US" altLang="zh-CN" dirty="0"/>
           </a:p>
         </p:txBody>
       </p:sp>
@@ -1061,7 +1212,7 @@
           <a:p>
             <a:fld id="{5AF833F3-50EF-41F6-9734-A87A2A6D410C}" type="slidenum">
               <a:rPr lang="zh-CN" altLang="en-US" smtClean="0"/>
-              <a:t>13</a:t>
+              <a:t>14</a:t>
             </a:fld>
             <a:endParaRPr lang="zh-CN" altLang="en-US"/>
           </a:p>
@@ -1080,7 +1231,7 @@
 </p:notes>
 </file>
 
-<file path=ppt/notesSlides/notesSlide14.xml><?xml version="1.0" encoding="utf-8"?>
+<file path=ppt/notesSlides/notesSlide15.xml><?xml version="1.0" encoding="utf-8"?>
 <p:notes xmlns:a="http://schemas.openxmlformats.org/drawingml/2006/main" xmlns:r="http://schemas.openxmlformats.org/officeDocument/2006/relationships" xmlns:p="http://schemas.openxmlformats.org/presentationml/2006/main">
   <p:cSld>
     <p:spTree>
@@ -1142,9 +1293,45 @@
           <a:bodyPr/>
           <a:lstStyle/>
           <a:p>
-            <a:r>
-              <a:rPr lang="en-US" altLang="zh-CN" dirty="0"/>
-              <a:t>24-Hour</a:t>
+            <a:pPr>
+              <a:buNone/>
+            </a:pPr>
+            <a:r>
+              <a:rPr lang="en" altLang="zh-CN" dirty="0">
+                <a:solidFill>
+                  <a:srgbClr val="000000"/>
+                </a:solidFill>
+                <a:effectLst/>
+                <a:latin typeface="Helvetica" pitchFamily="2" charset="0"/>
+              </a:rPr>
+              <a:t>However, in our evaluation, we found that most of the bugs we found by the bug-inducing</a:t>
+            </a:r>
+          </a:p>
+          <a:p>
+            <a:pPr>
+              <a:buNone/>
+            </a:pPr>
+            <a:r>
+              <a:rPr lang="en" altLang="zh-CN" dirty="0">
+                <a:solidFill>
+                  <a:srgbClr val="000000"/>
+                </a:solidFill>
+                <a:effectLst/>
+                <a:latin typeface="Helvetica" pitchFamily="2" charset="0"/>
+              </a:rPr>
+              <a:t>test cases use only shallow expressions after reduction. Therefore, during testing, there is no need</a:t>
+            </a:r>
+          </a:p>
+          <a:p>
+            <a:r>
+              <a:rPr lang="en" altLang="zh-CN" dirty="0">
+                <a:solidFill>
+                  <a:srgbClr val="000000"/>
+                </a:solidFill>
+                <a:effectLst/>
+                <a:latin typeface="Helvetica" pitchFamily="2" charset="0"/>
+              </a:rPr>
+              <a:t>to generate expressions with great depth.</a:t>
             </a:r>
           </a:p>
         </p:txBody>
@@ -1155,114 +1342,6 @@
             <a:extLst>
               <a:ext uri="{FF2B5EF4-FFF2-40B4-BE49-F238E27FC236}">
                 <a16:creationId xmlns:a16="http://schemas.microsoft.com/office/drawing/2014/main" id="{5573A736-24DD-B232-F84C-4B9E8FE38F93}"/>
-              </a:ext>
-            </a:extLst>
-          </p:cNvPr>
-          <p:cNvSpPr>
-            <a:spLocks noGrp="1"/>
-          </p:cNvSpPr>
-          <p:nvPr>
-            <p:ph type="sldNum" sz="quarter" idx="5"/>
-          </p:nvPr>
-        </p:nvSpPr>
-        <p:spPr/>
-        <p:txBody>
-          <a:bodyPr/>
-          <a:lstStyle/>
-          <a:p>
-            <a:fld id="{5AF833F3-50EF-41F6-9734-A87A2A6D410C}" type="slidenum">
-              <a:rPr lang="zh-CN" altLang="en-US" smtClean="0"/>
-              <a:t>14</a:t>
-            </a:fld>
-            <a:endParaRPr lang="zh-CN" altLang="en-US"/>
-          </a:p>
-        </p:txBody>
-      </p:sp>
-    </p:spTree>
-    <p:extLst>
-      <p:ext uri="{BB962C8B-B14F-4D97-AF65-F5344CB8AC3E}">
-        <p14:creationId xmlns:p14="http://schemas.microsoft.com/office/powerpoint/2010/main" val="3009580221"/>
-      </p:ext>
-    </p:extLst>
-  </p:cSld>
-  <p:clrMapOvr>
-    <a:masterClrMapping/>
-  </p:clrMapOvr>
-</p:notes>
-</file>
-
-<file path=ppt/notesSlides/notesSlide15.xml><?xml version="1.0" encoding="utf-8"?>
-<p:notes xmlns:a="http://schemas.openxmlformats.org/drawingml/2006/main" xmlns:r="http://schemas.openxmlformats.org/officeDocument/2006/relationships" xmlns:p="http://schemas.openxmlformats.org/presentationml/2006/main">
-  <p:cSld>
-    <p:spTree>
-      <p:nvGrpSpPr>
-        <p:cNvPr id="1" name="">
-          <a:extLst>
-            <a:ext uri="{FF2B5EF4-FFF2-40B4-BE49-F238E27FC236}">
-              <a16:creationId xmlns:a16="http://schemas.microsoft.com/office/drawing/2014/main" id="{5BC81B67-1A93-68F9-0103-0A6871BBE792}"/>
-            </a:ext>
-          </a:extLst>
-        </p:cNvPr>
-        <p:cNvGrpSpPr/>
-        <p:nvPr/>
-      </p:nvGrpSpPr>
-      <p:grpSpPr>
-        <a:xfrm>
-          <a:off x="0" y="0"/>
-          <a:ext cx="0" cy="0"/>
-          <a:chOff x="0" y="0"/>
-          <a:chExt cx="0" cy="0"/>
-        </a:xfrm>
-      </p:grpSpPr>
-      <p:sp>
-        <p:nvSpPr>
-          <p:cNvPr id="2" name="幻灯片图像占位符 1">
-            <a:extLst>
-              <a:ext uri="{FF2B5EF4-FFF2-40B4-BE49-F238E27FC236}">
-                <a16:creationId xmlns:a16="http://schemas.microsoft.com/office/drawing/2014/main" id="{CDE9494F-0A44-40B6-DEEC-E182D34A8D5A}"/>
-              </a:ext>
-            </a:extLst>
-          </p:cNvPr>
-          <p:cNvSpPr>
-            <a:spLocks noGrp="1" noRot="1" noChangeAspect="1"/>
-          </p:cNvSpPr>
-          <p:nvPr>
-            <p:ph type="sldImg"/>
-          </p:nvPr>
-        </p:nvSpPr>
-        <p:spPr/>
-      </p:sp>
-      <p:sp>
-        <p:nvSpPr>
-          <p:cNvPr id="3" name="备注占位符 2">
-            <a:extLst>
-              <a:ext uri="{FF2B5EF4-FFF2-40B4-BE49-F238E27FC236}">
-                <a16:creationId xmlns:a16="http://schemas.microsoft.com/office/drawing/2014/main" id="{BFF1A95B-67EA-BF8E-FBB8-D8274E9416AC}"/>
-              </a:ext>
-            </a:extLst>
-          </p:cNvPr>
-          <p:cNvSpPr>
-            <a:spLocks noGrp="1"/>
-          </p:cNvSpPr>
-          <p:nvPr>
-            <p:ph type="body" idx="1"/>
-          </p:nvPr>
-        </p:nvSpPr>
-        <p:spPr/>
-        <p:txBody>
-          <a:bodyPr/>
-          <a:lstStyle/>
-          <a:p>
-            <a:endParaRPr lang="en-US" altLang="zh-CN" dirty="0"/>
-          </a:p>
-        </p:txBody>
-      </p:sp>
-      <p:sp>
-        <p:nvSpPr>
-          <p:cNvPr id="4" name="灯片编号占位符 3">
-            <a:extLst>
-              <a:ext uri="{FF2B5EF4-FFF2-40B4-BE49-F238E27FC236}">
-                <a16:creationId xmlns:a16="http://schemas.microsoft.com/office/drawing/2014/main" id="{EA258961-F8E0-A811-5160-DE59A61C03DD}"/>
               </a:ext>
             </a:extLst>
           </p:cNvPr>
@@ -1289,7 +1368,7 @@
     </p:spTree>
     <p:extLst>
       <p:ext uri="{BB962C8B-B14F-4D97-AF65-F5344CB8AC3E}">
-        <p14:creationId xmlns:p14="http://schemas.microsoft.com/office/powerpoint/2010/main" val="2650881738"/>
+        <p14:creationId xmlns:p14="http://schemas.microsoft.com/office/powerpoint/2010/main" val="3009580221"/>
       </p:ext>
     </p:extLst>
   </p:cSld>
@@ -10025,7 +10104,7 @@
         <p:cNvPr id="1" name="">
           <a:extLst>
             <a:ext uri="{FF2B5EF4-FFF2-40B4-BE49-F238E27FC236}">
-              <a16:creationId xmlns:a16="http://schemas.microsoft.com/office/drawing/2014/main" id="{C9FF871C-1AA5-8A3C-56A9-8D8C83D9411B}"/>
+              <a16:creationId xmlns:a16="http://schemas.microsoft.com/office/drawing/2014/main" id="{6FF26BFE-50F4-A44E-87BC-B6F57EB6F235}"/>
             </a:ext>
           </a:extLst>
         </p:cNvPr>
@@ -10045,7 +10124,7 @@
           <p:cNvPr id="9" name="矩形: 圆角 8">
             <a:extLst>
               <a:ext uri="{FF2B5EF4-FFF2-40B4-BE49-F238E27FC236}">
-                <a16:creationId xmlns:a16="http://schemas.microsoft.com/office/drawing/2014/main" id="{B22602E8-45EF-BECC-1C66-BFBE0D3952E1}"/>
+                <a16:creationId xmlns:a16="http://schemas.microsoft.com/office/drawing/2014/main" id="{95393DD7-C65A-46D4-0AFE-CE11CB584ACB}"/>
               </a:ext>
             </a:extLst>
           </p:cNvPr>
@@ -10104,7 +10183,7 @@
           <p:cNvPr id="10" name="矩形: 圆角 9">
             <a:extLst>
               <a:ext uri="{FF2B5EF4-FFF2-40B4-BE49-F238E27FC236}">
-                <a16:creationId xmlns:a16="http://schemas.microsoft.com/office/drawing/2014/main" id="{8639D3E3-2527-97D2-E31F-A6191B27E234}"/>
+                <a16:creationId xmlns:a16="http://schemas.microsoft.com/office/drawing/2014/main" id="{F584CC01-46F9-C46E-6DF0-B90BBCAEF148}"/>
               </a:ext>
             </a:extLst>
           </p:cNvPr>
@@ -10165,7 +10244,7 @@
           <p:cNvPr id="14" name="文本框 13">
             <a:extLst>
               <a:ext uri="{FF2B5EF4-FFF2-40B4-BE49-F238E27FC236}">
-                <a16:creationId xmlns:a16="http://schemas.microsoft.com/office/drawing/2014/main" id="{443D5AD0-0E0E-B879-AF1F-B590B2DB9929}"/>
+                <a16:creationId xmlns:a16="http://schemas.microsoft.com/office/drawing/2014/main" id="{E206960B-81B1-134A-A623-6683C48556E9}"/>
               </a:ext>
             </a:extLst>
           </p:cNvPr>
@@ -10193,7 +10272,7 @@
                 <a:latin typeface="Arial Black" panose="020B0A04020102020204" pitchFamily="34" charset="0"/>
                 <a:cs typeface="Calibri" panose="020F0502020204030204" pitchFamily="34" charset="0"/>
               </a:rPr>
-              <a:t>Efficiency</a:t>
+              <a:t>Case Study</a:t>
             </a:r>
             <a:endParaRPr lang="zh-CN" altLang="en-US" sz="4400" b="1" dirty="0">
               <a:latin typeface="Arial Black" panose="020B0A04020102020204" pitchFamily="34" charset="0"/>
@@ -10204,10 +10283,10 @@
       </p:sp>
       <p:pic>
         <p:nvPicPr>
-          <p:cNvPr id="4" name="图片 3">
-            <a:extLst>
-              <a:ext uri="{FF2B5EF4-FFF2-40B4-BE49-F238E27FC236}">
-                <a16:creationId xmlns:a16="http://schemas.microsoft.com/office/drawing/2014/main" id="{45F485FC-A446-2384-82E6-36C8B983EECD}"/>
+          <p:cNvPr id="7" name="图片 6">
+            <a:extLst>
+              <a:ext uri="{FF2B5EF4-FFF2-40B4-BE49-F238E27FC236}">
+                <a16:creationId xmlns:a16="http://schemas.microsoft.com/office/drawing/2014/main" id="{B59DFDD7-CDA9-E151-11DD-DCDA2DDAC6E3}"/>
               </a:ext>
             </a:extLst>
           </p:cNvPr>
@@ -10230,131 +10309,54 @@
         </p:blipFill>
         <p:spPr>
           <a:xfrm>
-            <a:off x="320565" y="1340377"/>
-            <a:ext cx="11550869" cy="4721453"/>
+            <a:off x="1150269" y="3760515"/>
+            <a:ext cx="9242866" cy="2592977"/>
           </a:xfrm>
           <a:prstGeom prst="rect">
             <a:avLst/>
           </a:prstGeom>
         </p:spPr>
       </p:pic>
-      <p:sp>
-        <p:nvSpPr>
-          <p:cNvPr id="2" name="文本框 1">
-            <a:extLst>
-              <a:ext uri="{FF2B5EF4-FFF2-40B4-BE49-F238E27FC236}">
-                <a16:creationId xmlns:a16="http://schemas.microsoft.com/office/drawing/2014/main" id="{34623D47-F345-74AF-A1A7-916956A221A3}"/>
-              </a:ext>
-            </a:extLst>
-          </p:cNvPr>
-          <p:cNvSpPr txBox="1"/>
+      <p:pic>
+        <p:nvPicPr>
+          <p:cNvPr id="3" name="图片 2">
+            <a:extLst>
+              <a:ext uri="{FF2B5EF4-FFF2-40B4-BE49-F238E27FC236}">
+                <a16:creationId xmlns:a16="http://schemas.microsoft.com/office/drawing/2014/main" id="{000C5733-839C-8EBD-7EB4-0FD4AA5631F4}"/>
+              </a:ext>
+            </a:extLst>
+          </p:cNvPr>
+          <p:cNvPicPr>
+            <a:picLocks noChangeAspect="1"/>
+          </p:cNvPicPr>
           <p:nvPr/>
-        </p:nvSpPr>
+        </p:nvPicPr>
+        <p:blipFill>
+          <a:blip r:embed="rId4">
+            <a:extLst>
+              <a:ext uri="{28A0092B-C50C-407E-A947-70E740481C1C}">
+                <a14:useLocalDpi xmlns:a14="http://schemas.microsoft.com/office/drawing/2010/main" val="0"/>
+              </a:ext>
+            </a:extLst>
+          </a:blip>
+          <a:stretch>
+            <a:fillRect/>
+          </a:stretch>
+        </p:blipFill>
         <p:spPr>
           <a:xfrm>
-            <a:off x="4533265" y="5877164"/>
-            <a:ext cx="3043192" cy="369332"/>
+            <a:off x="1240219" y="1358603"/>
+            <a:ext cx="8259480" cy="2235548"/>
           </a:xfrm>
           <a:prstGeom prst="rect">
             <a:avLst/>
           </a:prstGeom>
-          <a:noFill/>
         </p:spPr>
-        <p:txBody>
-          <a:bodyPr wrap="square">
-            <a:spAutoFit/>
-          </a:bodyPr>
-          <a:lstStyle/>
-          <a:p>
-            <a:pPr marL="12700" marR="55880">
-              <a:spcBef>
-                <a:spcPts val="425"/>
-              </a:spcBef>
-            </a:pPr>
-            <a:r>
-              <a:rPr lang="en-US" altLang="zh-CN" sz="1800" b="1" spc="70" dirty="0">
-                <a:solidFill>
-                  <a:srgbClr val="C00000"/>
-                </a:solidFill>
-                <a:latin typeface="Times New Roman"/>
-                <a:cs typeface="Times New Roman"/>
-              </a:rPr>
-              <a:t>24-hour</a:t>
-            </a:r>
-            <a:r>
-              <a:rPr lang="zh-CN" altLang="en-US" sz="1800" b="1" spc="70" dirty="0">
-                <a:solidFill>
-                  <a:srgbClr val="C00000"/>
-                </a:solidFill>
-                <a:latin typeface="Times New Roman"/>
-                <a:cs typeface="Times New Roman"/>
-              </a:rPr>
-              <a:t> </a:t>
-            </a:r>
-            <a:r>
-              <a:rPr lang="en-US" altLang="zh-CN" sz="1800" b="1" spc="70" dirty="0">
-                <a:solidFill>
-                  <a:srgbClr val="C00000"/>
-                </a:solidFill>
-                <a:latin typeface="Times New Roman"/>
-                <a:cs typeface="Times New Roman"/>
-              </a:rPr>
-              <a:t>Test</a:t>
-            </a:r>
-            <a:r>
-              <a:rPr lang="zh-CN" altLang="en-US" sz="1800" b="1" spc="70" dirty="0">
-                <a:solidFill>
-                  <a:srgbClr val="C00000"/>
-                </a:solidFill>
-                <a:latin typeface="Times New Roman"/>
-                <a:cs typeface="Times New Roman"/>
-              </a:rPr>
-              <a:t> </a:t>
-            </a:r>
-            <a:r>
-              <a:rPr lang="en-US" altLang="zh-CN" sz="1800" b="1" spc="70" dirty="0">
-                <a:solidFill>
-                  <a:srgbClr val="C00000"/>
-                </a:solidFill>
-                <a:latin typeface="Times New Roman"/>
-                <a:cs typeface="Times New Roman"/>
-              </a:rPr>
-              <a:t>Over</a:t>
-            </a:r>
-            <a:r>
-              <a:rPr lang="zh-CN" altLang="en-US" sz="1800" b="1" spc="70" dirty="0">
-                <a:solidFill>
-                  <a:srgbClr val="C00000"/>
-                </a:solidFill>
-                <a:latin typeface="Times New Roman"/>
-                <a:cs typeface="Times New Roman"/>
-              </a:rPr>
-              <a:t> </a:t>
-            </a:r>
-            <a:r>
-              <a:rPr lang="en-US" altLang="zh-CN" sz="1800" b="1" spc="70" dirty="0">
-                <a:solidFill>
-                  <a:srgbClr val="C00000"/>
-                </a:solidFill>
-                <a:latin typeface="Times New Roman"/>
-                <a:cs typeface="Times New Roman"/>
-              </a:rPr>
-              <a:t>SQLite</a:t>
-            </a:r>
-            <a:endParaRPr lang="en-US" altLang="zh-CN" sz="1400" b="1" dirty="0">
-              <a:solidFill>
-                <a:srgbClr val="C00000"/>
-              </a:solidFill>
-              <a:latin typeface="Times New Roman"/>
-              <a:cs typeface="Times New Roman"/>
-            </a:endParaRPr>
-          </a:p>
-        </p:txBody>
-      </p:sp>
+      </p:pic>
     </p:spTree>
     <p:extLst>
       <p:ext uri="{BB962C8B-B14F-4D97-AF65-F5344CB8AC3E}">
-        <p14:creationId xmlns:p14="http://schemas.microsoft.com/office/powerpoint/2010/main" val="535818513"/>
+        <p14:creationId xmlns:p14="http://schemas.microsoft.com/office/powerpoint/2010/main" val="2433260719"/>
       </p:ext>
     </p:extLst>
   </p:cSld>
@@ -10372,7 +10374,7 @@
         <p:cNvPr id="1" name="">
           <a:extLst>
             <a:ext uri="{FF2B5EF4-FFF2-40B4-BE49-F238E27FC236}">
-              <a16:creationId xmlns:a16="http://schemas.microsoft.com/office/drawing/2014/main" id="{342339B7-F842-7170-F6F1-0DC5F647DC5B}"/>
+              <a16:creationId xmlns:a16="http://schemas.microsoft.com/office/drawing/2014/main" id="{C9FF871C-1AA5-8A3C-56A9-8D8C83D9411B}"/>
             </a:ext>
           </a:extLst>
         </p:cNvPr>
@@ -10392,7 +10394,7 @@
           <p:cNvPr id="9" name="矩形: 圆角 8">
             <a:extLst>
               <a:ext uri="{FF2B5EF4-FFF2-40B4-BE49-F238E27FC236}">
-                <a16:creationId xmlns:a16="http://schemas.microsoft.com/office/drawing/2014/main" id="{FD908432-A958-7E2A-06D4-95B53B22C314}"/>
+                <a16:creationId xmlns:a16="http://schemas.microsoft.com/office/drawing/2014/main" id="{B22602E8-45EF-BECC-1C66-BFBE0D3952E1}"/>
               </a:ext>
             </a:extLst>
           </p:cNvPr>
@@ -10451,7 +10453,7 @@
           <p:cNvPr id="10" name="矩形: 圆角 9">
             <a:extLst>
               <a:ext uri="{FF2B5EF4-FFF2-40B4-BE49-F238E27FC236}">
-                <a16:creationId xmlns:a16="http://schemas.microsoft.com/office/drawing/2014/main" id="{F0606461-9874-42BA-A2A4-D795BFAD88BB}"/>
+                <a16:creationId xmlns:a16="http://schemas.microsoft.com/office/drawing/2014/main" id="{8639D3E3-2527-97D2-E31F-A6191B27E234}"/>
               </a:ext>
             </a:extLst>
           </p:cNvPr>
@@ -10512,7 +10514,7 @@
           <p:cNvPr id="14" name="文本框 13">
             <a:extLst>
               <a:ext uri="{FF2B5EF4-FFF2-40B4-BE49-F238E27FC236}">
-                <a16:creationId xmlns:a16="http://schemas.microsoft.com/office/drawing/2014/main" id="{F8E77764-AB9A-91A1-E069-E9C24987A976}"/>
+                <a16:creationId xmlns:a16="http://schemas.microsoft.com/office/drawing/2014/main" id="{443D5AD0-0E0E-B879-AF1F-B590B2DB9929}"/>
               </a:ext>
             </a:extLst>
           </p:cNvPr>
@@ -10540,7 +10542,7 @@
                 <a:latin typeface="Arial Black" panose="020B0A04020102020204" pitchFamily="34" charset="0"/>
                 <a:cs typeface="Calibri" panose="020F0502020204030204" pitchFamily="34" charset="0"/>
               </a:rPr>
-              <a:t>Expression Complexity</a:t>
+              <a:t>Efficiency</a:t>
             </a:r>
             <a:endParaRPr lang="zh-CN" altLang="en-US" sz="4400" b="1" dirty="0">
               <a:latin typeface="Arial Black" panose="020B0A04020102020204" pitchFamily="34" charset="0"/>
@@ -10551,10 +10553,10 @@
       </p:sp>
       <p:pic>
         <p:nvPicPr>
-          <p:cNvPr id="3" name="图片 2">
-            <a:extLst>
-              <a:ext uri="{FF2B5EF4-FFF2-40B4-BE49-F238E27FC236}">
-                <a16:creationId xmlns:a16="http://schemas.microsoft.com/office/drawing/2014/main" id="{872FDBAC-BC0F-5347-3B62-0920BE9A4FBD}"/>
+          <p:cNvPr id="4" name="图片 3">
+            <a:extLst>
+              <a:ext uri="{FF2B5EF4-FFF2-40B4-BE49-F238E27FC236}">
+                <a16:creationId xmlns:a16="http://schemas.microsoft.com/office/drawing/2014/main" id="{45F485FC-A446-2384-82E6-36C8B983EECD}"/>
               </a:ext>
             </a:extLst>
           </p:cNvPr>
@@ -10577,54 +10579,131 @@
         </p:blipFill>
         <p:spPr>
           <a:xfrm>
-            <a:off x="0" y="2119255"/>
-            <a:ext cx="7233577" cy="3349197"/>
+            <a:off x="320565" y="1340377"/>
+            <a:ext cx="11550869" cy="4721453"/>
           </a:xfrm>
           <a:prstGeom prst="rect">
             <a:avLst/>
           </a:prstGeom>
         </p:spPr>
       </p:pic>
-      <p:pic>
-        <p:nvPicPr>
-          <p:cNvPr id="6" name="图片 5">
-            <a:extLst>
-              <a:ext uri="{FF2B5EF4-FFF2-40B4-BE49-F238E27FC236}">
-                <a16:creationId xmlns:a16="http://schemas.microsoft.com/office/drawing/2014/main" id="{B7DA86AF-991C-1C43-7D27-B1CE1304562B}"/>
-              </a:ext>
-            </a:extLst>
-          </p:cNvPr>
-          <p:cNvPicPr>
-            <a:picLocks noChangeAspect="1"/>
-          </p:cNvPicPr>
+      <p:sp>
+        <p:nvSpPr>
+          <p:cNvPr id="2" name="文本框 1">
+            <a:extLst>
+              <a:ext uri="{FF2B5EF4-FFF2-40B4-BE49-F238E27FC236}">
+                <a16:creationId xmlns:a16="http://schemas.microsoft.com/office/drawing/2014/main" id="{34623D47-F345-74AF-A1A7-916956A221A3}"/>
+              </a:ext>
+            </a:extLst>
+          </p:cNvPr>
+          <p:cNvSpPr txBox="1"/>
           <p:nvPr/>
-        </p:nvPicPr>
-        <p:blipFill>
-          <a:blip r:embed="rId4">
-            <a:extLst>
-              <a:ext uri="{28A0092B-C50C-407E-A947-70E740481C1C}">
-                <a14:useLocalDpi xmlns:a14="http://schemas.microsoft.com/office/drawing/2010/main" val="0"/>
-              </a:ext>
-            </a:extLst>
-          </a:blip>
-          <a:stretch>
-            <a:fillRect/>
-          </a:stretch>
-        </p:blipFill>
+        </p:nvSpPr>
         <p:spPr>
           <a:xfrm>
-            <a:off x="7053057" y="2245589"/>
-            <a:ext cx="5138943" cy="3222863"/>
+            <a:off x="4533265" y="5877164"/>
+            <a:ext cx="3043192" cy="369332"/>
           </a:xfrm>
           <a:prstGeom prst="rect">
             <a:avLst/>
           </a:prstGeom>
+          <a:noFill/>
         </p:spPr>
-      </p:pic>
+        <p:txBody>
+          <a:bodyPr wrap="square">
+            <a:spAutoFit/>
+          </a:bodyPr>
+          <a:lstStyle/>
+          <a:p>
+            <a:pPr marL="12700" marR="55880">
+              <a:spcBef>
+                <a:spcPts val="425"/>
+              </a:spcBef>
+            </a:pPr>
+            <a:r>
+              <a:rPr lang="en-US" altLang="zh-CN" sz="1800" b="1" spc="70" dirty="0">
+                <a:solidFill>
+                  <a:srgbClr val="C00000"/>
+                </a:solidFill>
+                <a:latin typeface="Times New Roman"/>
+                <a:cs typeface="Times New Roman"/>
+              </a:rPr>
+              <a:t>24-hour</a:t>
+            </a:r>
+            <a:r>
+              <a:rPr lang="zh-CN" altLang="en-US" sz="1800" b="1" spc="70" dirty="0">
+                <a:solidFill>
+                  <a:srgbClr val="C00000"/>
+                </a:solidFill>
+                <a:latin typeface="Times New Roman"/>
+                <a:cs typeface="Times New Roman"/>
+              </a:rPr>
+              <a:t> </a:t>
+            </a:r>
+            <a:r>
+              <a:rPr lang="en-US" altLang="zh-CN" sz="1800" b="1" spc="70" dirty="0">
+                <a:solidFill>
+                  <a:srgbClr val="C00000"/>
+                </a:solidFill>
+                <a:latin typeface="Times New Roman"/>
+                <a:cs typeface="Times New Roman"/>
+              </a:rPr>
+              <a:t>Test</a:t>
+            </a:r>
+            <a:r>
+              <a:rPr lang="zh-CN" altLang="en-US" sz="1800" b="1" spc="70" dirty="0">
+                <a:solidFill>
+                  <a:srgbClr val="C00000"/>
+                </a:solidFill>
+                <a:latin typeface="Times New Roman"/>
+                <a:cs typeface="Times New Roman"/>
+              </a:rPr>
+              <a:t> </a:t>
+            </a:r>
+            <a:r>
+              <a:rPr lang="en-US" altLang="zh-CN" sz="1800" b="1" spc="70" dirty="0">
+                <a:solidFill>
+                  <a:srgbClr val="C00000"/>
+                </a:solidFill>
+                <a:latin typeface="Times New Roman"/>
+                <a:cs typeface="Times New Roman"/>
+              </a:rPr>
+              <a:t>Over</a:t>
+            </a:r>
+            <a:r>
+              <a:rPr lang="zh-CN" altLang="en-US" sz="1800" b="1" spc="70" dirty="0">
+                <a:solidFill>
+                  <a:srgbClr val="C00000"/>
+                </a:solidFill>
+                <a:latin typeface="Times New Roman"/>
+                <a:cs typeface="Times New Roman"/>
+              </a:rPr>
+              <a:t> </a:t>
+            </a:r>
+            <a:r>
+              <a:rPr lang="en-US" altLang="zh-CN" sz="1800" b="1" spc="70" dirty="0">
+                <a:solidFill>
+                  <a:srgbClr val="C00000"/>
+                </a:solidFill>
+                <a:latin typeface="Times New Roman"/>
+                <a:cs typeface="Times New Roman"/>
+              </a:rPr>
+              <a:t>SQLite</a:t>
+            </a:r>
+            <a:endParaRPr lang="en-US" altLang="zh-CN" sz="1400" b="1" dirty="0">
+              <a:solidFill>
+                <a:srgbClr val="C00000"/>
+              </a:solidFill>
+              <a:latin typeface="Times New Roman"/>
+              <a:cs typeface="Times New Roman"/>
+            </a:endParaRPr>
+          </a:p>
+        </p:txBody>
+      </p:sp>
     </p:spTree>
     <p:extLst>
       <p:ext uri="{BB962C8B-B14F-4D97-AF65-F5344CB8AC3E}">
-        <p14:creationId xmlns:p14="http://schemas.microsoft.com/office/powerpoint/2010/main" val="284031977"/>
+        <p14:creationId xmlns:p14="http://schemas.microsoft.com/office/powerpoint/2010/main" val="535818513"/>
       </p:ext>
     </p:extLst>
   </p:cSld>
@@ -10642,7 +10721,7 @@
         <p:cNvPr id="1" name="">
           <a:extLst>
             <a:ext uri="{FF2B5EF4-FFF2-40B4-BE49-F238E27FC236}">
-              <a16:creationId xmlns:a16="http://schemas.microsoft.com/office/drawing/2014/main" id="{6FF26BFE-50F4-A44E-87BC-B6F57EB6F235}"/>
+              <a16:creationId xmlns:a16="http://schemas.microsoft.com/office/drawing/2014/main" id="{342339B7-F842-7170-F6F1-0DC5F647DC5B}"/>
             </a:ext>
           </a:extLst>
         </p:cNvPr>
@@ -10662,7 +10741,7 @@
           <p:cNvPr id="9" name="矩形: 圆角 8">
             <a:extLst>
               <a:ext uri="{FF2B5EF4-FFF2-40B4-BE49-F238E27FC236}">
-                <a16:creationId xmlns:a16="http://schemas.microsoft.com/office/drawing/2014/main" id="{95393DD7-C65A-46D4-0AFE-CE11CB584ACB}"/>
+                <a16:creationId xmlns:a16="http://schemas.microsoft.com/office/drawing/2014/main" id="{FD908432-A958-7E2A-06D4-95B53B22C314}"/>
               </a:ext>
             </a:extLst>
           </p:cNvPr>
@@ -10721,7 +10800,7 @@
           <p:cNvPr id="10" name="矩形: 圆角 9">
             <a:extLst>
               <a:ext uri="{FF2B5EF4-FFF2-40B4-BE49-F238E27FC236}">
-                <a16:creationId xmlns:a16="http://schemas.microsoft.com/office/drawing/2014/main" id="{F584CC01-46F9-C46E-6DF0-B90BBCAEF148}"/>
+                <a16:creationId xmlns:a16="http://schemas.microsoft.com/office/drawing/2014/main" id="{F0606461-9874-42BA-A2A4-D795BFAD88BB}"/>
               </a:ext>
             </a:extLst>
           </p:cNvPr>
@@ -10782,7 +10861,7 @@
           <p:cNvPr id="14" name="文本框 13">
             <a:extLst>
               <a:ext uri="{FF2B5EF4-FFF2-40B4-BE49-F238E27FC236}">
-                <a16:creationId xmlns:a16="http://schemas.microsoft.com/office/drawing/2014/main" id="{E206960B-81B1-134A-A623-6683C48556E9}"/>
+                <a16:creationId xmlns:a16="http://schemas.microsoft.com/office/drawing/2014/main" id="{F8E77764-AB9A-91A1-E069-E9C24987A976}"/>
               </a:ext>
             </a:extLst>
           </p:cNvPr>
@@ -10810,7 +10889,7 @@
                 <a:latin typeface="Arial Black" panose="020B0A04020102020204" pitchFamily="34" charset="0"/>
                 <a:cs typeface="Calibri" panose="020F0502020204030204" pitchFamily="34" charset="0"/>
               </a:rPr>
-              <a:t>Case Study</a:t>
+              <a:t>Expression Complexity</a:t>
             </a:r>
             <a:endParaRPr lang="zh-CN" altLang="en-US" sz="4400" b="1" dirty="0">
               <a:latin typeface="Arial Black" panose="020B0A04020102020204" pitchFamily="34" charset="0"/>
@@ -10821,10 +10900,10 @@
       </p:sp>
       <p:pic>
         <p:nvPicPr>
-          <p:cNvPr id="7" name="图片 6">
-            <a:extLst>
-              <a:ext uri="{FF2B5EF4-FFF2-40B4-BE49-F238E27FC236}">
-                <a16:creationId xmlns:a16="http://schemas.microsoft.com/office/drawing/2014/main" id="{B59DFDD7-CDA9-E151-11DD-DCDA2DDAC6E3}"/>
+          <p:cNvPr id="3" name="图片 2">
+            <a:extLst>
+              <a:ext uri="{FF2B5EF4-FFF2-40B4-BE49-F238E27FC236}">
+                <a16:creationId xmlns:a16="http://schemas.microsoft.com/office/drawing/2014/main" id="{872FDBAC-BC0F-5347-3B62-0920BE9A4FBD}"/>
               </a:ext>
             </a:extLst>
           </p:cNvPr>
@@ -10847,8 +10926,8 @@
         </p:blipFill>
         <p:spPr>
           <a:xfrm>
-            <a:off x="1150269" y="3760515"/>
-            <a:ext cx="9242866" cy="2592977"/>
+            <a:off x="0" y="2119255"/>
+            <a:ext cx="7233577" cy="3349197"/>
           </a:xfrm>
           <a:prstGeom prst="rect">
             <a:avLst/>
@@ -10857,10 +10936,10 @@
       </p:pic>
       <p:pic>
         <p:nvPicPr>
-          <p:cNvPr id="3" name="图片 2">
-            <a:extLst>
-              <a:ext uri="{FF2B5EF4-FFF2-40B4-BE49-F238E27FC236}">
-                <a16:creationId xmlns:a16="http://schemas.microsoft.com/office/drawing/2014/main" id="{000C5733-839C-8EBD-7EB4-0FD4AA5631F4}"/>
+          <p:cNvPr id="6" name="图片 5">
+            <a:extLst>
+              <a:ext uri="{FF2B5EF4-FFF2-40B4-BE49-F238E27FC236}">
+                <a16:creationId xmlns:a16="http://schemas.microsoft.com/office/drawing/2014/main" id="{B7DA86AF-991C-1C43-7D27-B1CE1304562B}"/>
               </a:ext>
             </a:extLst>
           </p:cNvPr>
@@ -10883,8 +10962,8 @@
         </p:blipFill>
         <p:spPr>
           <a:xfrm>
-            <a:off x="1240219" y="1358603"/>
-            <a:ext cx="8259480" cy="2235548"/>
+            <a:off x="7053057" y="2245589"/>
+            <a:ext cx="5138943" cy="3222863"/>
           </a:xfrm>
           <a:prstGeom prst="rect">
             <a:avLst/>
@@ -10894,7 +10973,7 @@
     </p:spTree>
     <p:extLst>
       <p:ext uri="{BB962C8B-B14F-4D97-AF65-F5344CB8AC3E}">
-        <p14:creationId xmlns:p14="http://schemas.microsoft.com/office/powerpoint/2010/main" val="2433260719"/>
+        <p14:creationId xmlns:p14="http://schemas.microsoft.com/office/powerpoint/2010/main" val="284031977"/>
       </p:ext>
     </p:extLst>
   </p:cSld>
@@ -11406,7 +11485,7 @@
                 <a:latin typeface="Times New Roman"/>
                 <a:cs typeface="Times New Roman"/>
               </a:rPr>
-              <a:t> Assume a given row must be included;</a:t>
+              <a:t> Place the same predicate in different clauses;</a:t>
             </a:r>
           </a:p>
           <a:p>
@@ -11541,21 +11620,7 @@
                 <a:latin typeface="Times New Roman"/>
                 <a:cs typeface="Times New Roman"/>
               </a:rPr>
-              <a:t>Adding </a:t>
-            </a:r>
-            <a:r>
-              <a:rPr lang="en-US" altLang="zh-CN" sz="2400" spc="70" dirty="0" err="1">
-                <a:latin typeface="Times New Roman"/>
-                <a:cs typeface="Times New Roman"/>
-              </a:rPr>
-              <a:t>boolean</a:t>
-            </a:r>
-            <a:r>
-              <a:rPr lang="en-US" altLang="zh-CN" sz="2400" spc="70" dirty="0">
-                <a:latin typeface="Times New Roman"/>
-                <a:cs typeface="Times New Roman"/>
-              </a:rPr>
-              <a:t> expression.</a:t>
+              <a:t>Adding Boolean expression.</a:t>
             </a:r>
             <a:endParaRPr lang="en-US" altLang="zh-CN" sz="2400" b="1" dirty="0">
               <a:latin typeface="Times New Roman"/>
@@ -11786,8 +11851,8 @@
         </p:blipFill>
         <p:spPr>
           <a:xfrm>
-            <a:off x="8271674" y="2488850"/>
-            <a:ext cx="3920326" cy="2978746"/>
+            <a:off x="8097520" y="2488850"/>
+            <a:ext cx="4094480" cy="2978746"/>
           </a:xfrm>
           <a:prstGeom prst="rect">
             <a:avLst/>
